--- a/presentations/Task_3.pptx
+++ b/presentations/Task_3.pptx
@@ -805,7 +805,7 @@
   <p:cSld>
     <p:spTree>
       <p:nvGrpSpPr>
-        <p:cNvPr id="120" name="Shape 120"/>
+        <p:cNvPr id="121" name="Shape 121"/>
         <p:cNvGrpSpPr/>
         <p:nvPr/>
       </p:nvGrpSpPr>
@@ -819,7 +819,7 @@
       </p:grpSpPr>
       <p:sp>
         <p:nvSpPr>
-          <p:cNvPr id="121" name="Google Shape;121;g17af8fb33dd_0_276:notes"/>
+          <p:cNvPr id="122" name="Google Shape;122;g17af8fb33dd_0_276:notes"/>
           <p:cNvSpPr/>
           <p:nvPr>
             <p:ph idx="2" type="sldImg"/>
@@ -854,7 +854,7 @@
       </p:sp>
       <p:sp>
         <p:nvSpPr>
-          <p:cNvPr id="122" name="Google Shape;122;g17af8fb33dd_0_276:notes"/>
+          <p:cNvPr id="123" name="Google Shape;123;g17af8fb33dd_0_276:notes"/>
           <p:cNvSpPr txBox="1"/>
           <p:nvPr>
             <p:ph idx="1" type="body"/>
@@ -904,7 +904,7 @@
   <p:cSld>
     <p:spTree>
       <p:nvGrpSpPr>
-        <p:cNvPr id="129" name="Shape 129"/>
+        <p:cNvPr id="130" name="Shape 130"/>
         <p:cNvGrpSpPr/>
         <p:nvPr/>
       </p:nvGrpSpPr>
@@ -918,7 +918,7 @@
       </p:grpSpPr>
       <p:sp>
         <p:nvSpPr>
-          <p:cNvPr id="130" name="Google Shape;130;g17af8fb33dd_0_287:notes"/>
+          <p:cNvPr id="131" name="Google Shape;131;g17af8fb33dd_0_287:notes"/>
           <p:cNvSpPr/>
           <p:nvPr>
             <p:ph idx="2" type="sldImg"/>
@@ -953,7 +953,7 @@
       </p:sp>
       <p:sp>
         <p:nvSpPr>
-          <p:cNvPr id="131" name="Google Shape;131;g17af8fb33dd_0_287:notes"/>
+          <p:cNvPr id="132" name="Google Shape;132;g17af8fb33dd_0_287:notes"/>
           <p:cNvSpPr txBox="1"/>
           <p:nvPr>
             <p:ph idx="1" type="body"/>
@@ -1003,7 +1003,7 @@
   <p:cSld>
     <p:spTree>
       <p:nvGrpSpPr>
-        <p:cNvPr id="138" name="Shape 138"/>
+        <p:cNvPr id="139" name="Shape 139"/>
         <p:cNvGrpSpPr/>
         <p:nvPr/>
       </p:nvGrpSpPr>
@@ -1017,7 +1017,7 @@
       </p:grpSpPr>
       <p:sp>
         <p:nvSpPr>
-          <p:cNvPr id="139" name="Google Shape;139;g17b3c68d1bf_1_6:notes"/>
+          <p:cNvPr id="140" name="Google Shape;140;g17b3c68d1bf_1_6:notes"/>
           <p:cNvSpPr/>
           <p:nvPr>
             <p:ph idx="2" type="sldImg"/>
@@ -1052,7 +1052,7 @@
       </p:sp>
       <p:sp>
         <p:nvSpPr>
-          <p:cNvPr id="140" name="Google Shape;140;g17b3c68d1bf_1_6:notes"/>
+          <p:cNvPr id="141" name="Google Shape;141;g17b3c68d1bf_1_6:notes"/>
           <p:cNvSpPr txBox="1"/>
           <p:nvPr>
             <p:ph idx="1" type="body"/>
@@ -1102,7 +1102,7 @@
   <p:cSld>
     <p:spTree>
       <p:nvGrpSpPr>
-        <p:cNvPr id="144" name="Shape 144"/>
+        <p:cNvPr id="145" name="Shape 145"/>
         <p:cNvGrpSpPr/>
         <p:nvPr/>
       </p:nvGrpSpPr>
@@ -1116,7 +1116,7 @@
       </p:grpSpPr>
       <p:sp>
         <p:nvSpPr>
-          <p:cNvPr id="145" name="Google Shape;145;g17b3c68d1bf_1_12:notes"/>
+          <p:cNvPr id="146" name="Google Shape;146;g17b3c68d1bf_1_12:notes"/>
           <p:cNvSpPr/>
           <p:nvPr>
             <p:ph idx="2" type="sldImg"/>
@@ -1151,7 +1151,7 @@
       </p:sp>
       <p:sp>
         <p:nvSpPr>
-          <p:cNvPr id="146" name="Google Shape;146;g17b3c68d1bf_1_12:notes"/>
+          <p:cNvPr id="147" name="Google Shape;147;g17b3c68d1bf_1_12:notes"/>
           <p:cNvSpPr txBox="1"/>
           <p:nvPr>
             <p:ph idx="1" type="body"/>
@@ -1201,7 +1201,7 @@
   <p:cSld>
     <p:spTree>
       <p:nvGrpSpPr>
-        <p:cNvPr id="151" name="Shape 151"/>
+        <p:cNvPr id="152" name="Shape 152"/>
         <p:cNvGrpSpPr/>
         <p:nvPr/>
       </p:nvGrpSpPr>
@@ -1215,7 +1215,7 @@
       </p:grpSpPr>
       <p:sp>
         <p:nvSpPr>
-          <p:cNvPr id="152" name="Google Shape;152;g17b3c68d1bf_1_22:notes"/>
+          <p:cNvPr id="153" name="Google Shape;153;g17b3c68d1bf_1_22:notes"/>
           <p:cNvSpPr/>
           <p:nvPr>
             <p:ph idx="2" type="sldImg"/>
@@ -1250,7 +1250,7 @@
       </p:sp>
       <p:sp>
         <p:nvSpPr>
-          <p:cNvPr id="153" name="Google Shape;153;g17b3c68d1bf_1_22:notes"/>
+          <p:cNvPr id="154" name="Google Shape;154;g17b3c68d1bf_1_22:notes"/>
           <p:cNvSpPr txBox="1"/>
           <p:nvPr>
             <p:ph idx="1" type="body"/>
@@ -1300,7 +1300,7 @@
   <p:cSld>
     <p:spTree>
       <p:nvGrpSpPr>
-        <p:cNvPr id="160" name="Shape 160"/>
+        <p:cNvPr id="161" name="Shape 161"/>
         <p:cNvGrpSpPr/>
         <p:nvPr/>
       </p:nvGrpSpPr>
@@ -1314,7 +1314,7 @@
       </p:grpSpPr>
       <p:sp>
         <p:nvSpPr>
-          <p:cNvPr id="161" name="Google Shape;161;g17b3c68d1bf_1_31:notes"/>
+          <p:cNvPr id="162" name="Google Shape;162;g17b3c68d1bf_1_31:notes"/>
           <p:cNvSpPr/>
           <p:nvPr>
             <p:ph idx="2" type="sldImg"/>
@@ -1349,7 +1349,7 @@
       </p:sp>
       <p:sp>
         <p:nvSpPr>
-          <p:cNvPr id="162" name="Google Shape;162;g17b3c68d1bf_1_31:notes"/>
+          <p:cNvPr id="163" name="Google Shape;163;g17b3c68d1bf_1_31:notes"/>
           <p:cNvSpPr txBox="1"/>
           <p:nvPr>
             <p:ph idx="1" type="body"/>
@@ -1399,7 +1399,7 @@
   <p:cSld>
     <p:spTree>
       <p:nvGrpSpPr>
-        <p:cNvPr id="169" name="Shape 169"/>
+        <p:cNvPr id="170" name="Shape 170"/>
         <p:cNvGrpSpPr/>
         <p:nvPr/>
       </p:nvGrpSpPr>
@@ -1413,7 +1413,7 @@
       </p:grpSpPr>
       <p:sp>
         <p:nvSpPr>
-          <p:cNvPr id="170" name="Google Shape;170;g17b3c68d1bf_1_42:notes"/>
+          <p:cNvPr id="171" name="Google Shape;171;g17b3c68d1bf_1_42:notes"/>
           <p:cNvSpPr/>
           <p:nvPr>
             <p:ph idx="2" type="sldImg"/>
@@ -1448,7 +1448,7 @@
       </p:sp>
       <p:sp>
         <p:nvSpPr>
-          <p:cNvPr id="171" name="Google Shape;171;g17b3c68d1bf_1_42:notes"/>
+          <p:cNvPr id="172" name="Google Shape;172;g17b3c68d1bf_1_42:notes"/>
           <p:cNvSpPr txBox="1"/>
           <p:nvPr>
             <p:ph idx="1" type="body"/>
@@ -1498,7 +1498,7 @@
   <p:cSld>
     <p:spTree>
       <p:nvGrpSpPr>
-        <p:cNvPr id="56" name="Shape 56"/>
+        <p:cNvPr id="57" name="Shape 57"/>
         <p:cNvGrpSpPr/>
         <p:nvPr/>
       </p:nvGrpSpPr>
@@ -1512,7 +1512,7 @@
       </p:grpSpPr>
       <p:sp>
         <p:nvSpPr>
-          <p:cNvPr id="57" name="Google Shape;57;g17af8fb33dd_0_195:notes"/>
+          <p:cNvPr id="58" name="Google Shape;58;g17af8fb33dd_0_195:notes"/>
           <p:cNvSpPr/>
           <p:nvPr>
             <p:ph idx="2" type="sldImg"/>
@@ -1547,7 +1547,7 @@
       </p:sp>
       <p:sp>
         <p:nvSpPr>
-          <p:cNvPr id="58" name="Google Shape;58;g17af8fb33dd_0_195:notes"/>
+          <p:cNvPr id="59" name="Google Shape;59;g17af8fb33dd_0_195:notes"/>
           <p:cNvSpPr txBox="1"/>
           <p:nvPr>
             <p:ph idx="1" type="body"/>
@@ -1597,7 +1597,7 @@
   <p:cSld>
     <p:spTree>
       <p:nvGrpSpPr>
-        <p:cNvPr id="65" name="Shape 65"/>
+        <p:cNvPr id="66" name="Shape 66"/>
         <p:cNvGrpSpPr/>
         <p:nvPr/>
       </p:nvGrpSpPr>
@@ -1611,7 +1611,7 @@
       </p:grpSpPr>
       <p:sp>
         <p:nvSpPr>
-          <p:cNvPr id="66" name="Google Shape;66;g17af8fb33dd_0_205:notes"/>
+          <p:cNvPr id="67" name="Google Shape;67;g17af8fb33dd_0_205:notes"/>
           <p:cNvSpPr/>
           <p:nvPr>
             <p:ph idx="2" type="sldImg"/>
@@ -1646,7 +1646,7 @@
       </p:sp>
       <p:sp>
         <p:nvSpPr>
-          <p:cNvPr id="67" name="Google Shape;67;g17af8fb33dd_0_205:notes"/>
+          <p:cNvPr id="68" name="Google Shape;68;g17af8fb33dd_0_205:notes"/>
           <p:cNvSpPr txBox="1"/>
           <p:nvPr>
             <p:ph idx="1" type="body"/>
@@ -1696,7 +1696,7 @@
   <p:cSld>
     <p:spTree>
       <p:nvGrpSpPr>
-        <p:cNvPr id="73" name="Shape 73"/>
+        <p:cNvPr id="74" name="Shape 74"/>
         <p:cNvGrpSpPr/>
         <p:nvPr/>
       </p:nvGrpSpPr>
@@ -1710,7 +1710,7 @@
       </p:grpSpPr>
       <p:sp>
         <p:nvSpPr>
-          <p:cNvPr id="74" name="Google Shape;74;g17af8fb33dd_0_215:notes"/>
+          <p:cNvPr id="75" name="Google Shape;75;g17af8fb33dd_0_215:notes"/>
           <p:cNvSpPr/>
           <p:nvPr>
             <p:ph idx="2" type="sldImg"/>
@@ -1745,7 +1745,7 @@
       </p:sp>
       <p:sp>
         <p:nvSpPr>
-          <p:cNvPr id="75" name="Google Shape;75;g17af8fb33dd_0_215:notes"/>
+          <p:cNvPr id="76" name="Google Shape;76;g17af8fb33dd_0_215:notes"/>
           <p:cNvSpPr txBox="1"/>
           <p:nvPr>
             <p:ph idx="1" type="body"/>
@@ -1795,7 +1795,7 @@
   <p:cSld>
     <p:spTree>
       <p:nvGrpSpPr>
-        <p:cNvPr id="81" name="Shape 81"/>
+        <p:cNvPr id="82" name="Shape 82"/>
         <p:cNvGrpSpPr/>
         <p:nvPr/>
       </p:nvGrpSpPr>
@@ -1809,7 +1809,7 @@
       </p:grpSpPr>
       <p:sp>
         <p:nvSpPr>
-          <p:cNvPr id="82" name="Google Shape;82;g17af8fb33dd_0_224:notes"/>
+          <p:cNvPr id="83" name="Google Shape;83;g17af8fb33dd_0_224:notes"/>
           <p:cNvSpPr/>
           <p:nvPr>
             <p:ph idx="2" type="sldImg"/>
@@ -1844,7 +1844,7 @@
       </p:sp>
       <p:sp>
         <p:nvSpPr>
-          <p:cNvPr id="83" name="Google Shape;83;g17af8fb33dd_0_224:notes"/>
+          <p:cNvPr id="84" name="Google Shape;84;g17af8fb33dd_0_224:notes"/>
           <p:cNvSpPr txBox="1"/>
           <p:nvPr>
             <p:ph idx="1" type="body"/>
@@ -1894,7 +1894,7 @@
   <p:cSld>
     <p:spTree>
       <p:nvGrpSpPr>
-        <p:cNvPr id="89" name="Shape 89"/>
+        <p:cNvPr id="90" name="Shape 90"/>
         <p:cNvGrpSpPr/>
         <p:nvPr/>
       </p:nvGrpSpPr>
@@ -1908,7 +1908,7 @@
       </p:grpSpPr>
       <p:sp>
         <p:nvSpPr>
-          <p:cNvPr id="90" name="Google Shape;90;g17af8fb33dd_0_234:notes"/>
+          <p:cNvPr id="91" name="Google Shape;91;g17af8fb33dd_0_234:notes"/>
           <p:cNvSpPr/>
           <p:nvPr>
             <p:ph idx="2" type="sldImg"/>
@@ -1943,7 +1943,7 @@
       </p:sp>
       <p:sp>
         <p:nvSpPr>
-          <p:cNvPr id="91" name="Google Shape;91;g17af8fb33dd_0_234:notes"/>
+          <p:cNvPr id="92" name="Google Shape;92;g17af8fb33dd_0_234:notes"/>
           <p:cNvSpPr txBox="1"/>
           <p:nvPr>
             <p:ph idx="1" type="body"/>
@@ -1993,7 +1993,7 @@
   <p:cSld>
     <p:spTree>
       <p:nvGrpSpPr>
-        <p:cNvPr id="98" name="Shape 98"/>
+        <p:cNvPr id="99" name="Shape 99"/>
         <p:cNvGrpSpPr/>
         <p:nvPr/>
       </p:nvGrpSpPr>
@@ -2007,7 +2007,7 @@
       </p:grpSpPr>
       <p:sp>
         <p:nvSpPr>
-          <p:cNvPr id="99" name="Google Shape;99;g17af8fb33dd_0_246:notes"/>
+          <p:cNvPr id="100" name="Google Shape;100;g17af8fb33dd_0_246:notes"/>
           <p:cNvSpPr/>
           <p:nvPr>
             <p:ph idx="2" type="sldImg"/>
@@ -2042,7 +2042,7 @@
       </p:sp>
       <p:sp>
         <p:nvSpPr>
-          <p:cNvPr id="100" name="Google Shape;100;g17af8fb33dd_0_246:notes"/>
+          <p:cNvPr id="101" name="Google Shape;101;g17af8fb33dd_0_246:notes"/>
           <p:cNvSpPr txBox="1"/>
           <p:nvPr>
             <p:ph idx="1" type="body"/>
@@ -2092,7 +2092,7 @@
   <p:cSld>
     <p:spTree>
       <p:nvGrpSpPr>
-        <p:cNvPr id="104" name="Shape 104"/>
+        <p:cNvPr id="105" name="Shape 105"/>
         <p:cNvGrpSpPr/>
         <p:nvPr/>
       </p:nvGrpSpPr>
@@ -2106,7 +2106,7 @@
       </p:grpSpPr>
       <p:sp>
         <p:nvSpPr>
-          <p:cNvPr id="105" name="Google Shape;105;g17af8fb33dd_0_254:notes"/>
+          <p:cNvPr id="106" name="Google Shape;106;g17af8fb33dd_0_254:notes"/>
           <p:cNvSpPr/>
           <p:nvPr>
             <p:ph idx="2" type="sldImg"/>
@@ -2141,7 +2141,7 @@
       </p:sp>
       <p:sp>
         <p:nvSpPr>
-          <p:cNvPr id="106" name="Google Shape;106;g17af8fb33dd_0_254:notes"/>
+          <p:cNvPr id="107" name="Google Shape;107;g17af8fb33dd_0_254:notes"/>
           <p:cNvSpPr txBox="1"/>
           <p:nvPr>
             <p:ph idx="1" type="body"/>
@@ -2191,7 +2191,7 @@
   <p:cSld>
     <p:spTree>
       <p:nvGrpSpPr>
-        <p:cNvPr id="111" name="Shape 111"/>
+        <p:cNvPr id="112" name="Shape 112"/>
         <p:cNvGrpSpPr/>
         <p:nvPr/>
       </p:nvGrpSpPr>
@@ -2205,7 +2205,7 @@
       </p:grpSpPr>
       <p:sp>
         <p:nvSpPr>
-          <p:cNvPr id="112" name="Google Shape;112;g17af8fb33dd_0_264:notes"/>
+          <p:cNvPr id="113" name="Google Shape;113;g17af8fb33dd_0_264:notes"/>
           <p:cNvSpPr/>
           <p:nvPr>
             <p:ph idx="2" type="sldImg"/>
@@ -2240,7 +2240,7 @@
       </p:sp>
       <p:sp>
         <p:nvSpPr>
-          <p:cNvPr id="113" name="Google Shape;113;g17af8fb33dd_0_264:notes"/>
+          <p:cNvPr id="114" name="Google Shape;114;g17af8fb33dd_0_264:notes"/>
           <p:cNvSpPr txBox="1"/>
           <p:nvPr>
             <p:ph idx="1" type="body"/>
@@ -7194,6 +7194,81 @@
           </a:p>
         </p:txBody>
       </p:sp>
+      <p:sp>
+        <p:nvSpPr>
+          <p:cNvPr id="56" name="Google Shape;56;p13"/>
+          <p:cNvSpPr txBox="1"/>
+          <p:nvPr/>
+        </p:nvSpPr>
+        <p:spPr>
+          <a:xfrm>
+            <a:off x="2275350" y="1808613"/>
+            <a:ext cx="4593300" cy="615600"/>
+          </a:xfrm>
+          <a:prstGeom prst="rect">
+            <a:avLst/>
+          </a:prstGeom>
+          <a:noFill/>
+          <a:ln>
+            <a:noFill/>
+          </a:ln>
+        </p:spPr>
+        <p:txBody>
+          <a:bodyPr anchorCtr="0" anchor="t" bIns="91425" lIns="91425" spcFirstLastPara="1" rIns="91425" wrap="square" tIns="91425">
+            <a:spAutoFit/>
+          </a:bodyPr>
+          <a:lstStyle/>
+          <a:p>
+            <a:pPr indent="0" lvl="0" marL="0" rtl="0" algn="ctr">
+              <a:spcBef>
+                <a:spcPts val="0"/>
+              </a:spcBef>
+              <a:spcAft>
+                <a:spcPts val="0"/>
+              </a:spcAft>
+              <a:buNone/>
+            </a:pPr>
+            <a:r>
+              <a:rPr lang="ru">
+                <a:solidFill>
+                  <a:srgbClr val="FFFFFF"/>
+                </a:solidFill>
+              </a:rPr>
+              <a:t>Code available at </a:t>
+            </a:r>
+            <a:r>
+              <a:rPr lang="ru">
+                <a:solidFill>
+                  <a:srgbClr val="FFFFFF"/>
+                </a:solidFill>
+              </a:rPr>
+              <a:t>/Task3/Task3_analysis.ipynb</a:t>
+            </a:r>
+            <a:r>
+              <a:rPr lang="ru">
+                <a:solidFill>
+                  <a:srgbClr val="FFFFFF"/>
+                </a:solidFill>
+              </a:rPr>
+              <a:t> or this </a:t>
+            </a:r>
+            <a:r>
+              <a:rPr lang="ru" u="sng">
+                <a:solidFill>
+                  <a:schemeClr val="hlink"/>
+                </a:solidFill>
+                <a:hlinkClick r:id="rId3"/>
+              </a:rPr>
+              <a:t>link</a:t>
+            </a:r>
+            <a:endParaRPr>
+              <a:solidFill>
+                <a:srgbClr val="FFFFFF"/>
+              </a:solidFill>
+            </a:endParaRPr>
+          </a:p>
+        </p:txBody>
+      </p:sp>
     </p:spTree>
   </p:cSld>
   <p:clrMapOvr>
@@ -7207,7 +7282,7 @@
   <p:cSld>
     <p:spTree>
       <p:nvGrpSpPr>
-        <p:cNvPr id="123" name="Shape 123"/>
+        <p:cNvPr id="124" name="Shape 124"/>
         <p:cNvGrpSpPr/>
         <p:nvPr/>
       </p:nvGrpSpPr>
@@ -7221,7 +7296,7 @@
       </p:grpSpPr>
       <p:sp>
         <p:nvSpPr>
-          <p:cNvPr id="124" name="Google Shape;124;p22"/>
+          <p:cNvPr id="125" name="Google Shape;125;p22"/>
           <p:cNvSpPr txBox="1"/>
           <p:nvPr>
             <p:ph type="ctrTitle"/>
@@ -7261,7 +7336,7 @@
       </p:sp>
       <p:pic>
         <p:nvPicPr>
-          <p:cNvPr id="125" name="Google Shape;125;p22"/>
+          <p:cNvPr id="126" name="Google Shape;126;p22"/>
           <p:cNvPicPr preferRelativeResize="0"/>
           <p:nvPr/>
         </p:nvPicPr>
@@ -7289,7 +7364,7 @@
       </p:pic>
       <p:sp>
         <p:nvSpPr>
-          <p:cNvPr id="126" name="Google Shape;126;p22"/>
+          <p:cNvPr id="127" name="Google Shape;127;p22"/>
           <p:cNvSpPr txBox="1"/>
           <p:nvPr/>
         </p:nvSpPr>
@@ -7339,7 +7414,7 @@
       </p:sp>
       <p:pic>
         <p:nvPicPr>
-          <p:cNvPr id="127" name="Google Shape;127;p22"/>
+          <p:cNvPr id="128" name="Google Shape;128;p22"/>
           <p:cNvPicPr preferRelativeResize="0"/>
           <p:nvPr/>
         </p:nvPicPr>
@@ -7367,7 +7442,7 @@
       </p:pic>
       <p:sp>
         <p:nvSpPr>
-          <p:cNvPr id="128" name="Google Shape;128;p22"/>
+          <p:cNvPr id="129" name="Google Shape;129;p22"/>
           <p:cNvSpPr txBox="1"/>
           <p:nvPr/>
         </p:nvSpPr>
@@ -7436,7 +7511,7 @@
   <p:cSld>
     <p:spTree>
       <p:nvGrpSpPr>
-        <p:cNvPr id="132" name="Shape 132"/>
+        <p:cNvPr id="133" name="Shape 133"/>
         <p:cNvGrpSpPr/>
         <p:nvPr/>
       </p:nvGrpSpPr>
@@ -7450,7 +7525,7 @@
       </p:grpSpPr>
       <p:sp>
         <p:nvSpPr>
-          <p:cNvPr id="133" name="Google Shape;133;p23"/>
+          <p:cNvPr id="134" name="Google Shape;134;p23"/>
           <p:cNvSpPr txBox="1"/>
           <p:nvPr>
             <p:ph type="ctrTitle"/>
@@ -7490,7 +7565,7 @@
       </p:sp>
       <p:sp>
         <p:nvSpPr>
-          <p:cNvPr id="134" name="Google Shape;134;p23"/>
+          <p:cNvPr id="135" name="Google Shape;135;p23"/>
           <p:cNvSpPr txBox="1"/>
           <p:nvPr/>
         </p:nvSpPr>
@@ -7540,7 +7615,7 @@
       </p:sp>
       <p:pic>
         <p:nvPicPr>
-          <p:cNvPr id="135" name="Google Shape;135;p23"/>
+          <p:cNvPr id="136" name="Google Shape;136;p23"/>
           <p:cNvPicPr preferRelativeResize="0"/>
           <p:nvPr/>
         </p:nvPicPr>
@@ -7568,7 +7643,7 @@
       </p:pic>
       <p:sp>
         <p:nvSpPr>
-          <p:cNvPr id="136" name="Google Shape;136;p23"/>
+          <p:cNvPr id="137" name="Google Shape;137;p23"/>
           <p:cNvSpPr txBox="1"/>
           <p:nvPr/>
         </p:nvSpPr>
@@ -7682,7 +7757,7 @@
       </p:sp>
       <p:pic>
         <p:nvPicPr>
-          <p:cNvPr id="137" name="Google Shape;137;p23"/>
+          <p:cNvPr id="138" name="Google Shape;138;p23"/>
           <p:cNvPicPr preferRelativeResize="0"/>
           <p:nvPr/>
         </p:nvPicPr>
@@ -7721,7 +7796,7 @@
   <p:cSld>
     <p:spTree>
       <p:nvGrpSpPr>
-        <p:cNvPr id="141" name="Shape 141"/>
+        <p:cNvPr id="142" name="Shape 142"/>
         <p:cNvGrpSpPr/>
         <p:nvPr/>
       </p:nvGrpSpPr>
@@ -7735,7 +7810,7 @@
       </p:grpSpPr>
       <p:sp>
         <p:nvSpPr>
-          <p:cNvPr id="142" name="Google Shape;142;p24"/>
+          <p:cNvPr id="143" name="Google Shape;143;p24"/>
           <p:cNvSpPr txBox="1"/>
           <p:nvPr>
             <p:ph type="ctrTitle"/>
@@ -7775,7 +7850,7 @@
       </p:sp>
       <p:sp>
         <p:nvSpPr>
-          <p:cNvPr id="143" name="Google Shape;143;p24"/>
+          <p:cNvPr id="144" name="Google Shape;144;p24"/>
           <p:cNvSpPr txBox="1"/>
           <p:nvPr/>
         </p:nvSpPr>
@@ -7908,7 +7983,7 @@
   <p:cSld>
     <p:spTree>
       <p:nvGrpSpPr>
-        <p:cNvPr id="147" name="Shape 147"/>
+        <p:cNvPr id="148" name="Shape 148"/>
         <p:cNvGrpSpPr/>
         <p:nvPr/>
       </p:nvGrpSpPr>
@@ -7922,7 +7997,7 @@
       </p:grpSpPr>
       <p:sp>
         <p:nvSpPr>
-          <p:cNvPr id="148" name="Google Shape;148;p25"/>
+          <p:cNvPr id="149" name="Google Shape;149;p25"/>
           <p:cNvSpPr txBox="1"/>
           <p:nvPr>
             <p:ph type="ctrTitle"/>
@@ -7962,7 +8037,7 @@
       </p:sp>
       <p:sp>
         <p:nvSpPr>
-          <p:cNvPr id="149" name="Google Shape;149;p25"/>
+          <p:cNvPr id="150" name="Google Shape;150;p25"/>
           <p:cNvSpPr txBox="1"/>
           <p:nvPr/>
         </p:nvSpPr>
@@ -8020,7 +8095,7 @@
       </p:sp>
       <p:pic>
         <p:nvPicPr>
-          <p:cNvPr id="150" name="Google Shape;150;p25"/>
+          <p:cNvPr id="151" name="Google Shape;151;p25"/>
           <p:cNvPicPr preferRelativeResize="0"/>
           <p:nvPr/>
         </p:nvPicPr>
@@ -8059,7 +8134,7 @@
   <p:cSld>
     <p:spTree>
       <p:nvGrpSpPr>
-        <p:cNvPr id="154" name="Shape 154"/>
+        <p:cNvPr id="155" name="Shape 155"/>
         <p:cNvGrpSpPr/>
         <p:nvPr/>
       </p:nvGrpSpPr>
@@ -8073,7 +8148,7 @@
       </p:grpSpPr>
       <p:sp>
         <p:nvSpPr>
-          <p:cNvPr id="155" name="Google Shape;155;p26"/>
+          <p:cNvPr id="156" name="Google Shape;156;p26"/>
           <p:cNvSpPr txBox="1"/>
           <p:nvPr>
             <p:ph type="ctrTitle"/>
@@ -8113,7 +8188,7 @@
       </p:sp>
       <p:sp>
         <p:nvSpPr>
-          <p:cNvPr id="156" name="Google Shape;156;p26"/>
+          <p:cNvPr id="157" name="Google Shape;157;p26"/>
           <p:cNvSpPr txBox="1"/>
           <p:nvPr/>
         </p:nvSpPr>
@@ -8163,7 +8238,7 @@
       </p:sp>
       <p:pic>
         <p:nvPicPr>
-          <p:cNvPr id="157" name="Google Shape;157;p26"/>
+          <p:cNvPr id="158" name="Google Shape;158;p26"/>
           <p:cNvPicPr preferRelativeResize="0"/>
           <p:nvPr/>
         </p:nvPicPr>
@@ -8191,7 +8266,7 @@
       </p:pic>
       <p:pic>
         <p:nvPicPr>
-          <p:cNvPr id="158" name="Google Shape;158;p26"/>
+          <p:cNvPr id="159" name="Google Shape;159;p26"/>
           <p:cNvPicPr preferRelativeResize="0"/>
           <p:nvPr/>
         </p:nvPicPr>
@@ -8219,7 +8294,7 @@
       </p:pic>
       <p:sp>
         <p:nvSpPr>
-          <p:cNvPr id="159" name="Google Shape;159;p26"/>
+          <p:cNvPr id="160" name="Google Shape;160;p26"/>
           <p:cNvSpPr txBox="1"/>
           <p:nvPr/>
         </p:nvSpPr>
@@ -8280,7 +8355,7 @@
   <p:cSld>
     <p:spTree>
       <p:nvGrpSpPr>
-        <p:cNvPr id="163" name="Shape 163"/>
+        <p:cNvPr id="164" name="Shape 164"/>
         <p:cNvGrpSpPr/>
         <p:nvPr/>
       </p:nvGrpSpPr>
@@ -8294,7 +8369,7 @@
       </p:grpSpPr>
       <p:sp>
         <p:nvSpPr>
-          <p:cNvPr id="164" name="Google Shape;164;p27"/>
+          <p:cNvPr id="165" name="Google Shape;165;p27"/>
           <p:cNvSpPr txBox="1"/>
           <p:nvPr>
             <p:ph type="ctrTitle"/>
@@ -8334,7 +8409,7 @@
       </p:sp>
       <p:sp>
         <p:nvSpPr>
-          <p:cNvPr id="165" name="Google Shape;165;p27"/>
+          <p:cNvPr id="166" name="Google Shape;166;p27"/>
           <p:cNvSpPr txBox="1"/>
           <p:nvPr/>
         </p:nvSpPr>
@@ -8384,7 +8459,7 @@
       </p:sp>
       <p:sp>
         <p:nvSpPr>
-          <p:cNvPr id="166" name="Google Shape;166;p27"/>
+          <p:cNvPr id="167" name="Google Shape;167;p27"/>
           <p:cNvSpPr txBox="1"/>
           <p:nvPr/>
         </p:nvSpPr>
@@ -8434,7 +8509,7 @@
       </p:sp>
       <p:pic>
         <p:nvPicPr>
-          <p:cNvPr id="167" name="Google Shape;167;p27"/>
+          <p:cNvPr id="168" name="Google Shape;168;p27"/>
           <p:cNvPicPr preferRelativeResize="0"/>
           <p:nvPr/>
         </p:nvPicPr>
@@ -8462,7 +8537,7 @@
       </p:pic>
       <p:pic>
         <p:nvPicPr>
-          <p:cNvPr id="168" name="Google Shape;168;p27"/>
+          <p:cNvPr id="169" name="Google Shape;169;p27"/>
           <p:cNvPicPr preferRelativeResize="0"/>
           <p:nvPr/>
         </p:nvPicPr>
@@ -8501,7 +8576,7 @@
   <p:cSld>
     <p:spTree>
       <p:nvGrpSpPr>
-        <p:cNvPr id="172" name="Shape 172"/>
+        <p:cNvPr id="173" name="Shape 173"/>
         <p:cNvGrpSpPr/>
         <p:nvPr/>
       </p:nvGrpSpPr>
@@ -8515,7 +8590,7 @@
       </p:grpSpPr>
       <p:sp>
         <p:nvSpPr>
-          <p:cNvPr id="173" name="Google Shape;173;p28"/>
+          <p:cNvPr id="174" name="Google Shape;174;p28"/>
           <p:cNvSpPr txBox="1"/>
           <p:nvPr>
             <p:ph type="ctrTitle"/>
@@ -8555,7 +8630,7 @@
       </p:sp>
       <p:sp>
         <p:nvSpPr>
-          <p:cNvPr id="174" name="Google Shape;174;p28"/>
+          <p:cNvPr id="175" name="Google Shape;175;p28"/>
           <p:cNvSpPr txBox="1"/>
           <p:nvPr/>
         </p:nvSpPr>
@@ -8621,7 +8696,7 @@
       </p:sp>
       <p:pic>
         <p:nvPicPr>
-          <p:cNvPr id="175" name="Google Shape;175;p28"/>
+          <p:cNvPr id="176" name="Google Shape;176;p28"/>
           <p:cNvPicPr preferRelativeResize="0"/>
           <p:nvPr/>
         </p:nvPicPr>
@@ -8649,7 +8724,7 @@
       </p:pic>
       <p:pic>
         <p:nvPicPr>
-          <p:cNvPr id="176" name="Google Shape;176;p28"/>
+          <p:cNvPr id="177" name="Google Shape;177;p28"/>
           <p:cNvPicPr preferRelativeResize="0"/>
           <p:nvPr/>
         </p:nvPicPr>
@@ -8677,7 +8752,7 @@
       </p:pic>
       <p:sp>
         <p:nvSpPr>
-          <p:cNvPr id="177" name="Google Shape;177;p28"/>
+          <p:cNvPr id="178" name="Google Shape;178;p28"/>
           <p:cNvSpPr txBox="1"/>
           <p:nvPr/>
         </p:nvSpPr>
@@ -8822,7 +8897,7 @@
   <p:cSld>
     <p:spTree>
       <p:nvGrpSpPr>
-        <p:cNvPr id="59" name="Shape 59"/>
+        <p:cNvPr id="60" name="Shape 60"/>
         <p:cNvGrpSpPr/>
         <p:nvPr/>
       </p:nvGrpSpPr>
@@ -8836,7 +8911,7 @@
       </p:grpSpPr>
       <p:sp>
         <p:nvSpPr>
-          <p:cNvPr id="60" name="Google Shape;60;p14"/>
+          <p:cNvPr id="61" name="Google Shape;61;p14"/>
           <p:cNvSpPr txBox="1"/>
           <p:nvPr>
             <p:ph type="ctrTitle"/>
@@ -8876,7 +8951,7 @@
       </p:sp>
       <p:pic>
         <p:nvPicPr>
-          <p:cNvPr id="61" name="Google Shape;61;p14"/>
+          <p:cNvPr id="62" name="Google Shape;62;p14"/>
           <p:cNvPicPr preferRelativeResize="0"/>
           <p:nvPr/>
         </p:nvPicPr>
@@ -8904,7 +8979,7 @@
       </p:pic>
       <p:pic>
         <p:nvPicPr>
-          <p:cNvPr id="62" name="Google Shape;62;p14"/>
+          <p:cNvPr id="63" name="Google Shape;63;p14"/>
           <p:cNvPicPr preferRelativeResize="0"/>
           <p:nvPr/>
         </p:nvPicPr>
@@ -8932,7 +9007,7 @@
       </p:pic>
       <p:sp>
         <p:nvSpPr>
-          <p:cNvPr id="63" name="Google Shape;63;p14"/>
+          <p:cNvPr id="64" name="Google Shape;64;p14"/>
           <p:cNvSpPr txBox="1"/>
           <p:nvPr/>
         </p:nvSpPr>
@@ -8982,7 +9057,7 @@
       </p:sp>
       <p:sp>
         <p:nvSpPr>
-          <p:cNvPr id="64" name="Google Shape;64;p14"/>
+          <p:cNvPr id="65" name="Google Shape;65;p14"/>
           <p:cNvSpPr txBox="1"/>
           <p:nvPr/>
         </p:nvSpPr>
@@ -9043,7 +9118,7 @@
   <p:cSld>
     <p:spTree>
       <p:nvGrpSpPr>
-        <p:cNvPr id="68" name="Shape 68"/>
+        <p:cNvPr id="69" name="Shape 69"/>
         <p:cNvGrpSpPr/>
         <p:nvPr/>
       </p:nvGrpSpPr>
@@ -9057,7 +9132,7 @@
       </p:grpSpPr>
       <p:sp>
         <p:nvSpPr>
-          <p:cNvPr id="69" name="Google Shape;69;p15"/>
+          <p:cNvPr id="70" name="Google Shape;70;p15"/>
           <p:cNvSpPr txBox="1"/>
           <p:nvPr>
             <p:ph type="ctrTitle"/>
@@ -9097,7 +9172,7 @@
       </p:sp>
       <p:sp>
         <p:nvSpPr>
-          <p:cNvPr id="70" name="Google Shape;70;p15"/>
+          <p:cNvPr id="71" name="Google Shape;71;p15"/>
           <p:cNvSpPr txBox="1"/>
           <p:nvPr/>
         </p:nvSpPr>
@@ -9147,7 +9222,7 @@
       </p:sp>
       <p:pic>
         <p:nvPicPr>
-          <p:cNvPr id="71" name="Google Shape;71;p15"/>
+          <p:cNvPr id="72" name="Google Shape;72;p15"/>
           <p:cNvPicPr preferRelativeResize="0"/>
           <p:nvPr/>
         </p:nvPicPr>
@@ -9175,7 +9250,7 @@
       </p:pic>
       <p:pic>
         <p:nvPicPr>
-          <p:cNvPr id="72" name="Google Shape;72;p15"/>
+          <p:cNvPr id="73" name="Google Shape;73;p15"/>
           <p:cNvPicPr preferRelativeResize="0"/>
           <p:nvPr/>
         </p:nvPicPr>
@@ -9214,7 +9289,7 @@
   <p:cSld>
     <p:spTree>
       <p:nvGrpSpPr>
-        <p:cNvPr id="76" name="Shape 76"/>
+        <p:cNvPr id="77" name="Shape 77"/>
         <p:cNvGrpSpPr/>
         <p:nvPr/>
       </p:nvGrpSpPr>
@@ -9228,7 +9303,7 @@
       </p:grpSpPr>
       <p:sp>
         <p:nvSpPr>
-          <p:cNvPr id="77" name="Google Shape;77;p16"/>
+          <p:cNvPr id="78" name="Google Shape;78;p16"/>
           <p:cNvSpPr txBox="1"/>
           <p:nvPr>
             <p:ph type="ctrTitle"/>
@@ -9268,7 +9343,7 @@
       </p:sp>
       <p:sp>
         <p:nvSpPr>
-          <p:cNvPr id="78" name="Google Shape;78;p16"/>
+          <p:cNvPr id="79" name="Google Shape;79;p16"/>
           <p:cNvSpPr txBox="1"/>
           <p:nvPr/>
         </p:nvSpPr>
@@ -9318,7 +9393,7 @@
       </p:sp>
       <p:pic>
         <p:nvPicPr>
-          <p:cNvPr id="79" name="Google Shape;79;p16"/>
+          <p:cNvPr id="80" name="Google Shape;80;p16"/>
           <p:cNvPicPr preferRelativeResize="0"/>
           <p:nvPr/>
         </p:nvPicPr>
@@ -9346,7 +9421,7 @@
       </p:pic>
       <p:pic>
         <p:nvPicPr>
-          <p:cNvPr id="80" name="Google Shape;80;p16"/>
+          <p:cNvPr id="81" name="Google Shape;81;p16"/>
           <p:cNvPicPr preferRelativeResize="0"/>
           <p:nvPr/>
         </p:nvPicPr>
@@ -9385,7 +9460,7 @@
   <p:cSld>
     <p:spTree>
       <p:nvGrpSpPr>
-        <p:cNvPr id="84" name="Shape 84"/>
+        <p:cNvPr id="85" name="Shape 85"/>
         <p:cNvGrpSpPr/>
         <p:nvPr/>
       </p:nvGrpSpPr>
@@ -9399,7 +9474,7 @@
       </p:grpSpPr>
       <p:sp>
         <p:nvSpPr>
-          <p:cNvPr id="85" name="Google Shape;85;p17"/>
+          <p:cNvPr id="86" name="Google Shape;86;p17"/>
           <p:cNvSpPr txBox="1"/>
           <p:nvPr>
             <p:ph type="ctrTitle"/>
@@ -9443,7 +9518,7 @@
       </p:sp>
       <p:sp>
         <p:nvSpPr>
-          <p:cNvPr id="86" name="Google Shape;86;p17"/>
+          <p:cNvPr id="87" name="Google Shape;87;p17"/>
           <p:cNvSpPr txBox="1"/>
           <p:nvPr/>
         </p:nvSpPr>
@@ -9517,7 +9592,7 @@
       </p:sp>
       <p:pic>
         <p:nvPicPr>
-          <p:cNvPr id="87" name="Google Shape;87;p17"/>
+          <p:cNvPr id="88" name="Google Shape;88;p17"/>
           <p:cNvPicPr preferRelativeResize="0"/>
           <p:nvPr/>
         </p:nvPicPr>
@@ -9545,7 +9620,7 @@
       </p:pic>
       <p:sp>
         <p:nvSpPr>
-          <p:cNvPr id="88" name="Google Shape;88;p17"/>
+          <p:cNvPr id="89" name="Google Shape;89;p17"/>
           <p:cNvSpPr txBox="1"/>
           <p:nvPr/>
         </p:nvSpPr>
@@ -9606,7 +9681,7 @@
   <p:cSld>
     <p:spTree>
       <p:nvGrpSpPr>
-        <p:cNvPr id="92" name="Shape 92"/>
+        <p:cNvPr id="93" name="Shape 93"/>
         <p:cNvGrpSpPr/>
         <p:nvPr/>
       </p:nvGrpSpPr>
@@ -9620,7 +9695,7 @@
       </p:grpSpPr>
       <p:sp>
         <p:nvSpPr>
-          <p:cNvPr id="93" name="Google Shape;93;p18"/>
+          <p:cNvPr id="94" name="Google Shape;94;p18"/>
           <p:cNvSpPr txBox="1"/>
           <p:nvPr>
             <p:ph type="ctrTitle"/>
@@ -9660,7 +9735,7 @@
       </p:sp>
       <p:pic>
         <p:nvPicPr>
-          <p:cNvPr id="94" name="Google Shape;94;p18"/>
+          <p:cNvPr id="95" name="Google Shape;95;p18"/>
           <p:cNvPicPr preferRelativeResize="0"/>
           <p:nvPr/>
         </p:nvPicPr>
@@ -9688,7 +9763,7 @@
       </p:pic>
       <p:pic>
         <p:nvPicPr>
-          <p:cNvPr id="95" name="Google Shape;95;p18"/>
+          <p:cNvPr id="96" name="Google Shape;96;p18"/>
           <p:cNvPicPr preferRelativeResize="0"/>
           <p:nvPr/>
         </p:nvPicPr>
@@ -9716,7 +9791,7 @@
       </p:pic>
       <p:sp>
         <p:nvSpPr>
-          <p:cNvPr id="96" name="Google Shape;96;p18"/>
+          <p:cNvPr id="97" name="Google Shape;97;p18"/>
           <p:cNvSpPr txBox="1"/>
           <p:nvPr/>
         </p:nvSpPr>
@@ -9766,7 +9841,7 @@
       </p:sp>
       <p:sp>
         <p:nvSpPr>
-          <p:cNvPr id="97" name="Google Shape;97;p18"/>
+          <p:cNvPr id="98" name="Google Shape;98;p18"/>
           <p:cNvSpPr txBox="1"/>
           <p:nvPr/>
         </p:nvSpPr>
@@ -9835,7 +9910,7 @@
   <p:cSld>
     <p:spTree>
       <p:nvGrpSpPr>
-        <p:cNvPr id="101" name="Shape 101"/>
+        <p:cNvPr id="102" name="Shape 102"/>
         <p:cNvGrpSpPr/>
         <p:nvPr/>
       </p:nvGrpSpPr>
@@ -9849,7 +9924,7 @@
       </p:grpSpPr>
       <p:sp>
         <p:nvSpPr>
-          <p:cNvPr id="102" name="Google Shape;102;p19"/>
+          <p:cNvPr id="103" name="Google Shape;103;p19"/>
           <p:cNvSpPr txBox="1"/>
           <p:nvPr>
             <p:ph type="ctrTitle"/>
@@ -9889,7 +9964,7 @@
       </p:sp>
       <p:sp>
         <p:nvSpPr>
-          <p:cNvPr id="103" name="Google Shape;103;p19"/>
+          <p:cNvPr id="104" name="Google Shape;104;p19"/>
           <p:cNvSpPr txBox="1"/>
           <p:nvPr/>
         </p:nvSpPr>
@@ -10001,7 +10076,7 @@
   <p:cSld>
     <p:spTree>
       <p:nvGrpSpPr>
-        <p:cNvPr id="107" name="Shape 107"/>
+        <p:cNvPr id="108" name="Shape 108"/>
         <p:cNvGrpSpPr/>
         <p:nvPr/>
       </p:nvGrpSpPr>
@@ -10015,7 +10090,7 @@
       </p:grpSpPr>
       <p:sp>
         <p:nvSpPr>
-          <p:cNvPr id="108" name="Google Shape;108;p20"/>
+          <p:cNvPr id="109" name="Google Shape;109;p20"/>
           <p:cNvSpPr txBox="1"/>
           <p:nvPr>
             <p:ph type="ctrTitle"/>
@@ -10055,7 +10130,7 @@
       </p:sp>
       <p:sp>
         <p:nvSpPr>
-          <p:cNvPr id="109" name="Google Shape;109;p20"/>
+          <p:cNvPr id="110" name="Google Shape;110;p20"/>
           <p:cNvSpPr txBox="1"/>
           <p:nvPr/>
         </p:nvSpPr>
@@ -10105,7 +10180,7 @@
       </p:sp>
       <p:pic>
         <p:nvPicPr>
-          <p:cNvPr id="110" name="Google Shape;110;p20"/>
+          <p:cNvPr id="111" name="Google Shape;111;p20"/>
           <p:cNvPicPr preferRelativeResize="0"/>
           <p:nvPr/>
         </p:nvPicPr>
@@ -10144,7 +10219,7 @@
   <p:cSld>
     <p:spTree>
       <p:nvGrpSpPr>
-        <p:cNvPr id="114" name="Shape 114"/>
+        <p:cNvPr id="115" name="Shape 115"/>
         <p:cNvGrpSpPr/>
         <p:nvPr/>
       </p:nvGrpSpPr>
@@ -10158,7 +10233,7 @@
       </p:grpSpPr>
       <p:sp>
         <p:nvSpPr>
-          <p:cNvPr id="115" name="Google Shape;115;p21"/>
+          <p:cNvPr id="116" name="Google Shape;116;p21"/>
           <p:cNvSpPr txBox="1"/>
           <p:nvPr>
             <p:ph type="ctrTitle"/>
@@ -10198,7 +10273,7 @@
       </p:sp>
       <p:pic>
         <p:nvPicPr>
-          <p:cNvPr id="116" name="Google Shape;116;p21"/>
+          <p:cNvPr id="117" name="Google Shape;117;p21"/>
           <p:cNvPicPr preferRelativeResize="0"/>
           <p:nvPr/>
         </p:nvPicPr>
@@ -10226,7 +10301,7 @@
       </p:pic>
       <p:pic>
         <p:nvPicPr>
-          <p:cNvPr id="117" name="Google Shape;117;p21"/>
+          <p:cNvPr id="118" name="Google Shape;118;p21"/>
           <p:cNvPicPr preferRelativeResize="0"/>
           <p:nvPr/>
         </p:nvPicPr>
@@ -10254,7 +10329,7 @@
       </p:pic>
       <p:sp>
         <p:nvSpPr>
-          <p:cNvPr id="118" name="Google Shape;118;p21"/>
+          <p:cNvPr id="119" name="Google Shape;119;p21"/>
           <p:cNvSpPr txBox="1"/>
           <p:nvPr/>
         </p:nvSpPr>
@@ -10300,7 +10375,7 @@
       </p:sp>
       <p:sp>
         <p:nvSpPr>
-          <p:cNvPr id="119" name="Google Shape;119;p21"/>
+          <p:cNvPr id="120" name="Google Shape;120;p21"/>
           <p:cNvSpPr txBox="1"/>
           <p:nvPr/>
         </p:nvSpPr>
@@ -10353,6 +10428,285 @@
 </file>
 
 <file path=ppt/theme/theme1.xml><?xml version="1.0" encoding="utf-8"?>
+<a:theme xmlns:a="http://schemas.openxmlformats.org/drawingml/2006/main" xmlns:r="http://schemas.openxmlformats.org/officeDocument/2006/relationships" name="Simple Dark">
+  <a:themeElements>
+    <a:clrScheme name="Simple Dark">
+      <a:dk1>
+        <a:srgbClr val="FFFFFF"/>
+      </a:dk1>
+      <a:lt1>
+        <a:srgbClr val="212121"/>
+      </a:lt1>
+      <a:dk2>
+        <a:srgbClr val="303030"/>
+      </a:dk2>
+      <a:lt2>
+        <a:srgbClr val="ADADAD"/>
+      </a:lt2>
+      <a:accent1>
+        <a:srgbClr val="009688"/>
+      </a:accent1>
+      <a:accent2>
+        <a:srgbClr val="EEEEEE"/>
+      </a:accent2>
+      <a:accent3>
+        <a:srgbClr val="78909C"/>
+      </a:accent3>
+      <a:accent4>
+        <a:srgbClr val="FFAB40"/>
+      </a:accent4>
+      <a:accent5>
+        <a:srgbClr val="4DD0E1"/>
+      </a:accent5>
+      <a:accent6>
+        <a:srgbClr val="EEFF41"/>
+      </a:accent6>
+      <a:hlink>
+        <a:srgbClr val="4DD0E1"/>
+      </a:hlink>
+      <a:folHlink>
+        <a:srgbClr val="4DD0E1"/>
+      </a:folHlink>
+    </a:clrScheme>
+    <a:fontScheme name="Office">
+      <a:majorFont>
+        <a:latin typeface="Arial"/>
+        <a:ea typeface=""/>
+        <a:cs typeface=""/>
+        <a:font script="Jpan" typeface="ＭＳ Ｐゴシック"/>
+        <a:font script="Hang" typeface="맑은 고딕"/>
+        <a:font script="Hans" typeface="宋体"/>
+        <a:font script="Hant" typeface="新細明體"/>
+        <a:font script="Arab" typeface="Times New Roman"/>
+        <a:font script="Hebr" typeface="Times New Roman"/>
+        <a:font script="Thai" typeface="Angsana New"/>
+        <a:font script="Ethi" typeface="Nyala"/>
+        <a:font script="Beng" typeface="Vrinda"/>
+        <a:font script="Gujr" typeface="Shruti"/>
+        <a:font script="Khmr" typeface="MoolBoran"/>
+        <a:font script="Knda" typeface="Tunga"/>
+        <a:font script="Guru" typeface="Raavi"/>
+        <a:font script="Cans" typeface="Euphemia"/>
+        <a:font script="Cher" typeface="Plantagenet Cherokee"/>
+        <a:font script="Yiii" typeface="Microsoft Yi Baiti"/>
+        <a:font script="Tibt" typeface="Microsoft Himalaya"/>
+        <a:font script="Thaa" typeface="MV Boli"/>
+        <a:font script="Deva" typeface="Mangal"/>
+        <a:font script="Telu" typeface="Gautami"/>
+        <a:font script="Taml" typeface="Latha"/>
+        <a:font script="Syrc" typeface="Estrangelo Edessa"/>
+        <a:font script="Orya" typeface="Kalinga"/>
+        <a:font script="Mlym" typeface="Kartika"/>
+        <a:font script="Laoo" typeface="DokChampa"/>
+        <a:font script="Sinh" typeface="Iskoola Pota"/>
+        <a:font script="Mong" typeface="Mongolian Baiti"/>
+        <a:font script="Viet" typeface="Times New Roman"/>
+        <a:font script="Uigh" typeface="Microsoft Uighur"/>
+        <a:font script="Geor" typeface="Sylfaen"/>
+      </a:majorFont>
+      <a:minorFont>
+        <a:latin typeface="Arial"/>
+        <a:ea typeface=""/>
+        <a:cs typeface=""/>
+        <a:font script="Jpan" typeface="ＭＳ Ｐゴシック"/>
+        <a:font script="Hang" typeface="맑은 고딕"/>
+        <a:font script="Hans" typeface="宋体"/>
+        <a:font script="Hant" typeface="新細明體"/>
+        <a:font script="Arab" typeface="Arial"/>
+        <a:font script="Hebr" typeface="Arial"/>
+        <a:font script="Thai" typeface="Cordia New"/>
+        <a:font script="Ethi" typeface="Nyala"/>
+        <a:font script="Beng" typeface="Vrinda"/>
+        <a:font script="Gujr" typeface="Shruti"/>
+        <a:font script="Khmr" typeface="DaunPenh"/>
+        <a:font script="Knda" typeface="Tunga"/>
+        <a:font script="Guru" typeface="Raavi"/>
+        <a:font script="Cans" typeface="Euphemia"/>
+        <a:font script="Cher" typeface="Plantagenet Cherokee"/>
+        <a:font script="Yiii" typeface="Microsoft Yi Baiti"/>
+        <a:font script="Tibt" typeface="Microsoft Himalaya"/>
+        <a:font script="Thaa" typeface="MV Boli"/>
+        <a:font script="Deva" typeface="Mangal"/>
+        <a:font script="Telu" typeface="Gautami"/>
+        <a:font script="Taml" typeface="Latha"/>
+        <a:font script="Syrc" typeface="Estrangelo Edessa"/>
+        <a:font script="Orya" typeface="Kalinga"/>
+        <a:font script="Mlym" typeface="Kartika"/>
+        <a:font script="Laoo" typeface="DokChampa"/>
+        <a:font script="Sinh" typeface="Iskoola Pota"/>
+        <a:font script="Mong" typeface="Mongolian Baiti"/>
+        <a:font script="Viet" typeface="Arial"/>
+        <a:font script="Uigh" typeface="Microsoft Uighur"/>
+        <a:font script="Geor" typeface="Sylfaen"/>
+      </a:minorFont>
+    </a:fontScheme>
+    <a:fmtScheme name="Office">
+      <a:fillStyleLst>
+        <a:solidFill>
+          <a:schemeClr val="phClr"/>
+        </a:solidFill>
+        <a:gradFill rotWithShape="1">
+          <a:gsLst>
+            <a:gs pos="0">
+              <a:schemeClr val="phClr">
+                <a:tint val="50000"/>
+                <a:satMod val="300000"/>
+              </a:schemeClr>
+            </a:gs>
+            <a:gs pos="35000">
+              <a:schemeClr val="phClr">
+                <a:tint val="37000"/>
+                <a:satMod val="300000"/>
+              </a:schemeClr>
+            </a:gs>
+            <a:gs pos="100000">
+              <a:schemeClr val="phClr">
+                <a:tint val="15000"/>
+                <a:satMod val="350000"/>
+              </a:schemeClr>
+            </a:gs>
+          </a:gsLst>
+          <a:lin ang="16200000" scaled="1"/>
+        </a:gradFill>
+        <a:gradFill rotWithShape="1">
+          <a:gsLst>
+            <a:gs pos="0">
+              <a:schemeClr val="phClr">
+                <a:tint val="100000"/>
+                <a:shade val="100000"/>
+                <a:satMod val="130000"/>
+              </a:schemeClr>
+            </a:gs>
+            <a:gs pos="100000">
+              <a:schemeClr val="phClr">
+                <a:tint val="50000"/>
+                <a:shade val="100000"/>
+                <a:satMod val="350000"/>
+              </a:schemeClr>
+            </a:gs>
+          </a:gsLst>
+          <a:lin ang="16200000" scaled="0"/>
+        </a:gradFill>
+      </a:fillStyleLst>
+      <a:lnStyleLst>
+        <a:ln w="9525" cap="flat" cmpd="sng" algn="ctr">
+          <a:solidFill>
+            <a:schemeClr val="phClr">
+              <a:shade val="95000"/>
+              <a:satMod val="105000"/>
+            </a:schemeClr>
+          </a:solidFill>
+          <a:prstDash val="solid"/>
+        </a:ln>
+        <a:ln w="25400" cap="flat" cmpd="sng" algn="ctr">
+          <a:solidFill>
+            <a:schemeClr val="phClr"/>
+          </a:solidFill>
+          <a:prstDash val="solid"/>
+        </a:ln>
+        <a:ln w="38100" cap="flat" cmpd="sng" algn="ctr">
+          <a:solidFill>
+            <a:schemeClr val="phClr"/>
+          </a:solidFill>
+          <a:prstDash val="solid"/>
+        </a:ln>
+      </a:lnStyleLst>
+      <a:effectStyleLst>
+        <a:effectStyle>
+          <a:effectLst>
+            <a:outerShdw blurRad="40000" dist="20000" dir="5400000" rotWithShape="0">
+              <a:srgbClr val="000000">
+                <a:alpha val="38000"/>
+              </a:srgbClr>
+            </a:outerShdw>
+          </a:effectLst>
+        </a:effectStyle>
+        <a:effectStyle>
+          <a:effectLst>
+            <a:outerShdw blurRad="40000" dist="23000" dir="5400000" rotWithShape="0">
+              <a:srgbClr val="000000">
+                <a:alpha val="35000"/>
+              </a:srgbClr>
+            </a:outerShdw>
+          </a:effectLst>
+        </a:effectStyle>
+        <a:effectStyle>
+          <a:effectLst>
+            <a:outerShdw blurRad="40000" dist="23000" dir="5400000" rotWithShape="0">
+              <a:srgbClr val="000000">
+                <a:alpha val="35000"/>
+              </a:srgbClr>
+            </a:outerShdw>
+          </a:effectLst>
+          <a:scene3d>
+            <a:camera prst="orthographicFront">
+              <a:rot lat="0" lon="0" rev="0"/>
+            </a:camera>
+            <a:lightRig rig="threePt" dir="t">
+              <a:rot lat="0" lon="0" rev="1200000"/>
+            </a:lightRig>
+          </a:scene3d>
+          <a:sp3d>
+            <a:bevelT w="63500" h="25400"/>
+          </a:sp3d>
+        </a:effectStyle>
+      </a:effectStyleLst>
+      <a:bgFillStyleLst>
+        <a:solidFill>
+          <a:schemeClr val="phClr"/>
+        </a:solidFill>
+        <a:gradFill rotWithShape="1">
+          <a:gsLst>
+            <a:gs pos="0">
+              <a:schemeClr val="phClr">
+                <a:tint val="40000"/>
+                <a:satMod val="350000"/>
+              </a:schemeClr>
+            </a:gs>
+            <a:gs pos="40000">
+              <a:schemeClr val="phClr">
+                <a:tint val="45000"/>
+                <a:shade val="99000"/>
+                <a:satMod val="350000"/>
+              </a:schemeClr>
+            </a:gs>
+            <a:gs pos="100000">
+              <a:schemeClr val="phClr">
+                <a:shade val="20000"/>
+                <a:satMod val="255000"/>
+              </a:schemeClr>
+            </a:gs>
+          </a:gsLst>
+          <a:path path="circle">
+            <a:fillToRect l="50000" t="-80000" r="50000" b="180000"/>
+          </a:path>
+        </a:gradFill>
+        <a:gradFill rotWithShape="1">
+          <a:gsLst>
+            <a:gs pos="0">
+              <a:schemeClr val="phClr">
+                <a:tint val="80000"/>
+                <a:satMod val="300000"/>
+              </a:schemeClr>
+            </a:gs>
+            <a:gs pos="100000">
+              <a:schemeClr val="phClr">
+                <a:shade val="30000"/>
+                <a:satMod val="200000"/>
+              </a:schemeClr>
+            </a:gs>
+          </a:gsLst>
+          <a:path path="circle">
+            <a:fillToRect l="50000" t="50000" r="50000" b="50000"/>
+          </a:path>
+        </a:gradFill>
+      </a:bgFillStyleLst>
+    </a:fmtScheme>
+  </a:themeElements>
+</a:theme>
+</file>
+
+<file path=ppt/theme/theme2.xml><?xml version="1.0" encoding="utf-8"?>
 <a:theme xmlns:a="http://schemas.openxmlformats.org/drawingml/2006/main" xmlns:r="http://schemas.openxmlformats.org/officeDocument/2006/relationships">
   <a:themeElements>
     <a:clrScheme name="Default">
@@ -10629,283 +10983,4 @@
     </a:fmtScheme>
   </a:themeElements>
 </a:theme>
-</file>
-
-<file path=ppt/theme/theme2.xml><?xml version="1.0" encoding="utf-8"?>
-<a:theme xmlns:a="http://schemas.openxmlformats.org/drawingml/2006/main" xmlns:r="http://schemas.openxmlformats.org/officeDocument/2006/relationships" name="Simple Dark">
-  <a:themeElements>
-    <a:clrScheme name="Simple Dark">
-      <a:dk1>
-        <a:srgbClr val="FFFFFF"/>
-      </a:dk1>
-      <a:lt1>
-        <a:srgbClr val="212121"/>
-      </a:lt1>
-      <a:dk2>
-        <a:srgbClr val="303030"/>
-      </a:dk2>
-      <a:lt2>
-        <a:srgbClr val="ADADAD"/>
-      </a:lt2>
-      <a:accent1>
-        <a:srgbClr val="009688"/>
-      </a:accent1>
-      <a:accent2>
-        <a:srgbClr val="EEEEEE"/>
-      </a:accent2>
-      <a:accent3>
-        <a:srgbClr val="78909C"/>
-      </a:accent3>
-      <a:accent4>
-        <a:srgbClr val="FFAB40"/>
-      </a:accent4>
-      <a:accent5>
-        <a:srgbClr val="4DD0E1"/>
-      </a:accent5>
-      <a:accent6>
-        <a:srgbClr val="EEFF41"/>
-      </a:accent6>
-      <a:hlink>
-        <a:srgbClr val="4DD0E1"/>
-      </a:hlink>
-      <a:folHlink>
-        <a:srgbClr val="4DD0E1"/>
-      </a:folHlink>
-    </a:clrScheme>
-    <a:fontScheme name="Office">
-      <a:majorFont>
-        <a:latin typeface="Arial"/>
-        <a:ea typeface=""/>
-        <a:cs typeface=""/>
-        <a:font script="Jpan" typeface="ＭＳ Ｐゴシック"/>
-        <a:font script="Hang" typeface="맑은 고딕"/>
-        <a:font script="Hans" typeface="宋体"/>
-        <a:font script="Hant" typeface="新細明體"/>
-        <a:font script="Arab" typeface="Times New Roman"/>
-        <a:font script="Hebr" typeface="Times New Roman"/>
-        <a:font script="Thai" typeface="Angsana New"/>
-        <a:font script="Ethi" typeface="Nyala"/>
-        <a:font script="Beng" typeface="Vrinda"/>
-        <a:font script="Gujr" typeface="Shruti"/>
-        <a:font script="Khmr" typeface="MoolBoran"/>
-        <a:font script="Knda" typeface="Tunga"/>
-        <a:font script="Guru" typeface="Raavi"/>
-        <a:font script="Cans" typeface="Euphemia"/>
-        <a:font script="Cher" typeface="Plantagenet Cherokee"/>
-        <a:font script="Yiii" typeface="Microsoft Yi Baiti"/>
-        <a:font script="Tibt" typeface="Microsoft Himalaya"/>
-        <a:font script="Thaa" typeface="MV Boli"/>
-        <a:font script="Deva" typeface="Mangal"/>
-        <a:font script="Telu" typeface="Gautami"/>
-        <a:font script="Taml" typeface="Latha"/>
-        <a:font script="Syrc" typeface="Estrangelo Edessa"/>
-        <a:font script="Orya" typeface="Kalinga"/>
-        <a:font script="Mlym" typeface="Kartika"/>
-        <a:font script="Laoo" typeface="DokChampa"/>
-        <a:font script="Sinh" typeface="Iskoola Pota"/>
-        <a:font script="Mong" typeface="Mongolian Baiti"/>
-        <a:font script="Viet" typeface="Times New Roman"/>
-        <a:font script="Uigh" typeface="Microsoft Uighur"/>
-        <a:font script="Geor" typeface="Sylfaen"/>
-      </a:majorFont>
-      <a:minorFont>
-        <a:latin typeface="Arial"/>
-        <a:ea typeface=""/>
-        <a:cs typeface=""/>
-        <a:font script="Jpan" typeface="ＭＳ Ｐゴシック"/>
-        <a:font script="Hang" typeface="맑은 고딕"/>
-        <a:font script="Hans" typeface="宋体"/>
-        <a:font script="Hant" typeface="新細明體"/>
-        <a:font script="Arab" typeface="Arial"/>
-        <a:font script="Hebr" typeface="Arial"/>
-        <a:font script="Thai" typeface="Cordia New"/>
-        <a:font script="Ethi" typeface="Nyala"/>
-        <a:font script="Beng" typeface="Vrinda"/>
-        <a:font script="Gujr" typeface="Shruti"/>
-        <a:font script="Khmr" typeface="DaunPenh"/>
-        <a:font script="Knda" typeface="Tunga"/>
-        <a:font script="Guru" typeface="Raavi"/>
-        <a:font script="Cans" typeface="Euphemia"/>
-        <a:font script="Cher" typeface="Plantagenet Cherokee"/>
-        <a:font script="Yiii" typeface="Microsoft Yi Baiti"/>
-        <a:font script="Tibt" typeface="Microsoft Himalaya"/>
-        <a:font script="Thaa" typeface="MV Boli"/>
-        <a:font script="Deva" typeface="Mangal"/>
-        <a:font script="Telu" typeface="Gautami"/>
-        <a:font script="Taml" typeface="Latha"/>
-        <a:font script="Syrc" typeface="Estrangelo Edessa"/>
-        <a:font script="Orya" typeface="Kalinga"/>
-        <a:font script="Mlym" typeface="Kartika"/>
-        <a:font script="Laoo" typeface="DokChampa"/>
-        <a:font script="Sinh" typeface="Iskoola Pota"/>
-        <a:font script="Mong" typeface="Mongolian Baiti"/>
-        <a:font script="Viet" typeface="Arial"/>
-        <a:font script="Uigh" typeface="Microsoft Uighur"/>
-        <a:font script="Geor" typeface="Sylfaen"/>
-      </a:minorFont>
-    </a:fontScheme>
-    <a:fmtScheme name="Office">
-      <a:fillStyleLst>
-        <a:solidFill>
-          <a:schemeClr val="phClr"/>
-        </a:solidFill>
-        <a:gradFill rotWithShape="1">
-          <a:gsLst>
-            <a:gs pos="0">
-              <a:schemeClr val="phClr">
-                <a:tint val="50000"/>
-                <a:satMod val="300000"/>
-              </a:schemeClr>
-            </a:gs>
-            <a:gs pos="35000">
-              <a:schemeClr val="phClr">
-                <a:tint val="37000"/>
-                <a:satMod val="300000"/>
-              </a:schemeClr>
-            </a:gs>
-            <a:gs pos="100000">
-              <a:schemeClr val="phClr">
-                <a:tint val="15000"/>
-                <a:satMod val="350000"/>
-              </a:schemeClr>
-            </a:gs>
-          </a:gsLst>
-          <a:lin ang="16200000" scaled="1"/>
-        </a:gradFill>
-        <a:gradFill rotWithShape="1">
-          <a:gsLst>
-            <a:gs pos="0">
-              <a:schemeClr val="phClr">
-                <a:tint val="100000"/>
-                <a:shade val="100000"/>
-                <a:satMod val="130000"/>
-              </a:schemeClr>
-            </a:gs>
-            <a:gs pos="100000">
-              <a:schemeClr val="phClr">
-                <a:tint val="50000"/>
-                <a:shade val="100000"/>
-                <a:satMod val="350000"/>
-              </a:schemeClr>
-            </a:gs>
-          </a:gsLst>
-          <a:lin ang="16200000" scaled="0"/>
-        </a:gradFill>
-      </a:fillStyleLst>
-      <a:lnStyleLst>
-        <a:ln w="9525" cap="flat" cmpd="sng" algn="ctr">
-          <a:solidFill>
-            <a:schemeClr val="phClr">
-              <a:shade val="95000"/>
-              <a:satMod val="105000"/>
-            </a:schemeClr>
-          </a:solidFill>
-          <a:prstDash val="solid"/>
-        </a:ln>
-        <a:ln w="25400" cap="flat" cmpd="sng" algn="ctr">
-          <a:solidFill>
-            <a:schemeClr val="phClr"/>
-          </a:solidFill>
-          <a:prstDash val="solid"/>
-        </a:ln>
-        <a:ln w="38100" cap="flat" cmpd="sng" algn="ctr">
-          <a:solidFill>
-            <a:schemeClr val="phClr"/>
-          </a:solidFill>
-          <a:prstDash val="solid"/>
-        </a:ln>
-      </a:lnStyleLst>
-      <a:effectStyleLst>
-        <a:effectStyle>
-          <a:effectLst>
-            <a:outerShdw blurRad="40000" dist="20000" dir="5400000" rotWithShape="0">
-              <a:srgbClr val="000000">
-                <a:alpha val="38000"/>
-              </a:srgbClr>
-            </a:outerShdw>
-          </a:effectLst>
-        </a:effectStyle>
-        <a:effectStyle>
-          <a:effectLst>
-            <a:outerShdw blurRad="40000" dist="23000" dir="5400000" rotWithShape="0">
-              <a:srgbClr val="000000">
-                <a:alpha val="35000"/>
-              </a:srgbClr>
-            </a:outerShdw>
-          </a:effectLst>
-        </a:effectStyle>
-        <a:effectStyle>
-          <a:effectLst>
-            <a:outerShdw blurRad="40000" dist="23000" dir="5400000" rotWithShape="0">
-              <a:srgbClr val="000000">
-                <a:alpha val="35000"/>
-              </a:srgbClr>
-            </a:outerShdw>
-          </a:effectLst>
-          <a:scene3d>
-            <a:camera prst="orthographicFront">
-              <a:rot lat="0" lon="0" rev="0"/>
-            </a:camera>
-            <a:lightRig rig="threePt" dir="t">
-              <a:rot lat="0" lon="0" rev="1200000"/>
-            </a:lightRig>
-          </a:scene3d>
-          <a:sp3d>
-            <a:bevelT w="63500" h="25400"/>
-          </a:sp3d>
-        </a:effectStyle>
-      </a:effectStyleLst>
-      <a:bgFillStyleLst>
-        <a:solidFill>
-          <a:schemeClr val="phClr"/>
-        </a:solidFill>
-        <a:gradFill rotWithShape="1">
-          <a:gsLst>
-            <a:gs pos="0">
-              <a:schemeClr val="phClr">
-                <a:tint val="40000"/>
-                <a:satMod val="350000"/>
-              </a:schemeClr>
-            </a:gs>
-            <a:gs pos="40000">
-              <a:schemeClr val="phClr">
-                <a:tint val="45000"/>
-                <a:shade val="99000"/>
-                <a:satMod val="350000"/>
-              </a:schemeClr>
-            </a:gs>
-            <a:gs pos="100000">
-              <a:schemeClr val="phClr">
-                <a:shade val="20000"/>
-                <a:satMod val="255000"/>
-              </a:schemeClr>
-            </a:gs>
-          </a:gsLst>
-          <a:path path="circle">
-            <a:fillToRect l="50000" t="-80000" r="50000" b="180000"/>
-          </a:path>
-        </a:gradFill>
-        <a:gradFill rotWithShape="1">
-          <a:gsLst>
-            <a:gs pos="0">
-              <a:schemeClr val="phClr">
-                <a:tint val="80000"/>
-                <a:satMod val="300000"/>
-              </a:schemeClr>
-            </a:gs>
-            <a:gs pos="100000">
-              <a:schemeClr val="phClr">
-                <a:shade val="30000"/>
-                <a:satMod val="200000"/>
-              </a:schemeClr>
-            </a:gs>
-          </a:gsLst>
-          <a:path path="circle">
-            <a:fillToRect l="50000" t="50000" r="50000" b="50000"/>
-          </a:path>
-        </a:gradFill>
-      </a:bgFillStyleLst>
-    </a:fmtScheme>
-  </a:themeElements>
-</a:theme>
 </file>